--- a/assets/general/img/Courses_logos.pptx
+++ b/assets/general/img/Courses_logos.pptx
@@ -3351,7 +3351,7 @@
         <p:spPr>
           <a:xfrm>
             <a:off x="654647" y="1927458"/>
-            <a:ext cx="11131573" cy="3416320"/>
+            <a:ext cx="9349034" cy="3416320"/>
           </a:xfrm>
           <a:prstGeom prst="rect">
             <a:avLst/>
@@ -3369,7 +3369,7 @@
                 <a:solidFill>
                   <a:srgbClr val="931915"/>
                 </a:solidFill>
-                <a:latin typeface="Algerian" pitchFamily="82" charset="77"/>
+                <a:latin typeface="Impact" panose="020B0806030902050204" pitchFamily="34" charset="0"/>
                 <a:cs typeface="Algerian" panose="020F0502020204030204" pitchFamily="34" charset="0"/>
               </a:rPr>
               <a:t>C</a:t>
@@ -3382,7 +3382,7 @@
                     <a:lumOff val="5000"/>
                   </a:schemeClr>
                 </a:solidFill>
-                <a:latin typeface="Algerian" pitchFamily="82" charset="77"/>
+                <a:latin typeface="Impact" panose="020B0806030902050204" pitchFamily="34" charset="0"/>
                 <a:cs typeface="Algerian" panose="020F0502020204030204" pitchFamily="34" charset="0"/>
               </a:rPr>
               <a:t>S</a:t>
@@ -3404,7 +3404,7 @@
                     <a:lumOff val="5000"/>
                   </a:schemeClr>
                 </a:solidFill>
-                <a:latin typeface="Algerian" pitchFamily="82" charset="77"/>
+                <a:latin typeface="Impact" panose="020B0806030902050204" pitchFamily="34" charset="0"/>
               </a:rPr>
               <a:t>109</a:t>
             </a:r>
@@ -3413,7 +3413,7 @@
                 <a:solidFill>
                   <a:srgbClr val="931915"/>
                 </a:solidFill>
-                <a:latin typeface="Algerian" pitchFamily="82" charset="77"/>
+                <a:latin typeface="Impact" panose="020B0806030902050204" pitchFamily="34" charset="0"/>
               </a:rPr>
               <a:t>A</a:t>
             </a:r>
@@ -3424,7 +3424,7 @@
                   <a:lumOff val="5000"/>
                 </a:schemeClr>
               </a:solidFill>
-              <a:latin typeface="Algerian" pitchFamily="82" charset="77"/>
+              <a:latin typeface="Impact" panose="020B0806030902050204" pitchFamily="34" charset="0"/>
             </a:endParaRPr>
           </a:p>
         </p:txBody>
@@ -3482,7 +3482,7 @@
         <p:spPr>
           <a:xfrm>
             <a:off x="826770" y="1884427"/>
-            <a:ext cx="10825399" cy="3416320"/>
+            <a:ext cx="9470862" cy="3416320"/>
           </a:xfrm>
           <a:prstGeom prst="rect">
             <a:avLst/>
@@ -3500,7 +3500,7 @@
                 <a:solidFill>
                   <a:srgbClr val="931915"/>
                 </a:solidFill>
-                <a:latin typeface="Algerian" pitchFamily="82" charset="77"/>
+                <a:latin typeface="Impact" panose="020B0806030902050204" pitchFamily="34" charset="0"/>
                 <a:cs typeface="Algerian" panose="020F0502020204030204" pitchFamily="34" charset="0"/>
               </a:rPr>
               <a:t>C</a:t>
@@ -3513,7 +3513,7 @@
                     <a:lumOff val="5000"/>
                   </a:schemeClr>
                 </a:solidFill>
-                <a:latin typeface="Algerian" pitchFamily="82" charset="77"/>
+                <a:latin typeface="Impact" panose="020B0806030902050204" pitchFamily="34" charset="0"/>
                 <a:cs typeface="Algerian" panose="020F0502020204030204" pitchFamily="34" charset="0"/>
               </a:rPr>
               <a:t>S</a:t>
@@ -3535,7 +3535,7 @@
                     <a:lumOff val="5000"/>
                   </a:schemeClr>
                 </a:solidFill>
-                <a:latin typeface="Algerian" pitchFamily="82" charset="77"/>
+                <a:latin typeface="Impact" panose="020B0806030902050204" pitchFamily="34" charset="0"/>
               </a:rPr>
               <a:t>109</a:t>
             </a:r>
@@ -3544,7 +3544,7 @@
                 <a:solidFill>
                   <a:srgbClr val="931915"/>
                 </a:solidFill>
-                <a:latin typeface="Algerian" pitchFamily="82" charset="77"/>
+                <a:latin typeface="Impact" panose="020B0806030902050204" pitchFamily="34" charset="0"/>
               </a:rPr>
               <a:t>B</a:t>
             </a:r>
@@ -3555,7 +3555,7 @@
                   <a:lumOff val="5000"/>
                 </a:schemeClr>
               </a:solidFill>
-              <a:latin typeface="Algerian" pitchFamily="82" charset="77"/>
+              <a:latin typeface="Impact" panose="020B0806030902050204" pitchFamily="34" charset="0"/>
             </a:endParaRPr>
           </a:p>
         </p:txBody>
@@ -3613,7 +3613,7 @@
         <p:spPr>
           <a:xfrm>
             <a:off x="1369261" y="1938215"/>
-            <a:ext cx="9631163" cy="3416320"/>
+            <a:ext cx="7806945" cy="3416320"/>
           </a:xfrm>
           <a:prstGeom prst="rect">
             <a:avLst/>
@@ -3631,7 +3631,7 @@
                 <a:solidFill>
                   <a:srgbClr val="931915"/>
                 </a:solidFill>
-                <a:latin typeface="Algerian" pitchFamily="82" charset="77"/>
+                <a:latin typeface="Impact" panose="020B0806030902050204" pitchFamily="34" charset="0"/>
               </a:rPr>
               <a:t>A</a:t>
             </a:r>
@@ -3643,7 +3643,7 @@
                     <a:lumOff val="5000"/>
                   </a:schemeClr>
                 </a:solidFill>
-                <a:latin typeface="Algerian" pitchFamily="82" charset="77"/>
+                <a:latin typeface="Impact" panose="020B0806030902050204" pitchFamily="34" charset="0"/>
               </a:rPr>
               <a:t>C</a:t>
             </a:r>
@@ -3664,7 +3664,7 @@
                     <a:lumOff val="5000"/>
                   </a:schemeClr>
                 </a:solidFill>
-                <a:latin typeface="Algerian" pitchFamily="82" charset="77"/>
+                <a:latin typeface="Impact" panose="020B0806030902050204" pitchFamily="34" charset="0"/>
               </a:rPr>
               <a:t>215</a:t>
             </a:r>

--- a/assets/general/img/Courses_logos.pptx
+++ b/assets/general/img/Courses_logos.pptx
@@ -8,6 +8,8 @@
     <p:sldId id="256" r:id="rId2"/>
     <p:sldId id="257" r:id="rId3"/>
     <p:sldId id="258" r:id="rId4"/>
+    <p:sldId id="259" r:id="rId5"/>
+    <p:sldId id="260" r:id="rId6"/>
   </p:sldIdLst>
   <p:sldSz cx="12192000" cy="6858000"/>
   <p:notesSz cx="6858000" cy="9144000"/>
@@ -3684,6 +3686,333 @@
 </p:sld>
 </file>
 
+<file path=ppt/slides/slide4.xml><?xml version="1.0" encoding="utf-8"?>
+<p:sld xmlns:a="http://schemas.openxmlformats.org/drawingml/2006/main" xmlns:r="http://schemas.openxmlformats.org/officeDocument/2006/relationships" xmlns:p="http://schemas.openxmlformats.org/presentationml/2006/main">
+  <p:cSld>
+    <p:bg>
+      <p:bgPr>
+        <a:solidFill>
+          <a:schemeClr val="bg1"/>
+        </a:solidFill>
+        <a:effectLst/>
+      </p:bgPr>
+    </p:bg>
+    <p:spTree>
+      <p:nvGrpSpPr>
+        <p:cNvPr id="1" name=""/>
+        <p:cNvGrpSpPr/>
+        <p:nvPr/>
+      </p:nvGrpSpPr>
+      <p:grpSpPr>
+        <a:xfrm>
+          <a:off x="0" y="0"/>
+          <a:ext cx="0" cy="0"/>
+          <a:chOff x="0" y="0"/>
+          <a:chExt cx="0" cy="0"/>
+        </a:xfrm>
+      </p:grpSpPr>
+      <p:sp>
+        <p:nvSpPr>
+          <p:cNvPr id="79" name="TextBox 78">
+            <a:extLst>
+              <a:ext uri="{FF2B5EF4-FFF2-40B4-BE49-F238E27FC236}">
+                <a16:creationId xmlns:a16="http://schemas.microsoft.com/office/drawing/2014/main" id="{194B7995-B9C1-CAF2-E3A1-C2DBFEDEEF46}"/>
+              </a:ext>
+            </a:extLst>
+          </p:cNvPr>
+          <p:cNvSpPr txBox="1"/>
+          <p:nvPr/>
+        </p:nvSpPr>
+        <p:spPr>
+          <a:xfrm>
+            <a:off x="4978968" y="1128318"/>
+            <a:ext cx="6442789" cy="4878259"/>
+          </a:xfrm>
+          <a:prstGeom prst="rect">
+            <a:avLst/>
+          </a:prstGeom>
+          <a:noFill/>
+        </p:spPr>
+        <p:txBody>
+          <a:bodyPr wrap="none" rtlCol="0">
+            <a:spAutoFit/>
+          </a:bodyPr>
+          <a:lstStyle/>
+          <a:p>
+            <a:r>
+              <a:rPr lang="en-US" sz="31100" dirty="0">
+                <a:solidFill>
+                  <a:srgbClr val="931915"/>
+                </a:solidFill>
+                <a:latin typeface="Impact" panose="020B0806030902050204" pitchFamily="34" charset="0"/>
+              </a:rPr>
+              <a:t>R</a:t>
+            </a:r>
+            <a:r>
+              <a:rPr lang="en-US" sz="21600" dirty="0">
+                <a:solidFill>
+                  <a:schemeClr val="tx1">
+                    <a:lumMod val="95000"/>
+                    <a:lumOff val="5000"/>
+                  </a:schemeClr>
+                </a:solidFill>
+                <a:latin typeface="Impact" panose="020B0806030902050204" pitchFamily="34" charset="0"/>
+              </a:rPr>
+              <a:t>oc</a:t>
+            </a:r>
+            <a:r>
+              <a:rPr lang="en-US" sz="21600" dirty="0">
+                <a:solidFill>
+                  <a:srgbClr val="931915"/>
+                </a:solidFill>
+                <a:latin typeface="Impact" panose="020B0806030902050204" pitchFamily="34" charset="0"/>
+              </a:rPr>
+              <a:t>k</a:t>
+            </a:r>
+            <a:endParaRPr lang="en-US" sz="21600" dirty="0">
+              <a:solidFill>
+                <a:schemeClr val="tx1">
+                  <a:lumMod val="95000"/>
+                  <a:lumOff val="5000"/>
+                </a:schemeClr>
+              </a:solidFill>
+              <a:latin typeface="Impact" panose="020B0806030902050204" pitchFamily="34" charset="0"/>
+            </a:endParaRPr>
+          </a:p>
+        </p:txBody>
+      </p:sp>
+      <p:pic>
+        <p:nvPicPr>
+          <p:cNvPr id="3" name="Graphic 2" descr="Crystals with solid fill">
+            <a:extLst>
+              <a:ext uri="{FF2B5EF4-FFF2-40B4-BE49-F238E27FC236}">
+                <a16:creationId xmlns:a16="http://schemas.microsoft.com/office/drawing/2014/main" id="{046EE381-12DF-91B7-53D0-780A473233C9}"/>
+              </a:ext>
+            </a:extLst>
+          </p:cNvPr>
+          <p:cNvPicPr>
+            <a:picLocks noChangeAspect="1"/>
+          </p:cNvPicPr>
+          <p:nvPr/>
+        </p:nvPicPr>
+        <p:blipFill>
+          <a:blip r:embed="rId2">
+            <a:extLst>
+              <a:ext uri="{96DAC541-7B7A-43D3-8B79-37D633B846F1}">
+                <asvg:svgBlip xmlns:asvg="http://schemas.microsoft.com/office/drawing/2016/SVG/main" r:embed="rId3"/>
+              </a:ext>
+            </a:extLst>
+          </a:blip>
+          <a:stretch>
+            <a:fillRect/>
+          </a:stretch>
+        </p:blipFill>
+        <p:spPr>
+          <a:xfrm>
+            <a:off x="7485017" y="788348"/>
+            <a:ext cx="2368732" cy="2368732"/>
+          </a:xfrm>
+          <a:prstGeom prst="rect">
+            <a:avLst/>
+          </a:prstGeom>
+        </p:spPr>
+      </p:pic>
+      <p:sp>
+        <p:nvSpPr>
+          <p:cNvPr id="5" name="TextBox 4">
+            <a:extLst>
+              <a:ext uri="{FF2B5EF4-FFF2-40B4-BE49-F238E27FC236}">
+                <a16:creationId xmlns:a16="http://schemas.microsoft.com/office/drawing/2014/main" id="{764F8563-208A-B4B5-78C8-C74D52B8F15F}"/>
+              </a:ext>
+            </a:extLst>
+          </p:cNvPr>
+          <p:cNvSpPr txBox="1"/>
+          <p:nvPr/>
+        </p:nvSpPr>
+        <p:spPr>
+          <a:xfrm>
+            <a:off x="1110343" y="1409908"/>
+            <a:ext cx="5277394" cy="3154710"/>
+          </a:xfrm>
+          <a:prstGeom prst="rect">
+            <a:avLst/>
+          </a:prstGeom>
+          <a:noFill/>
+        </p:spPr>
+        <p:txBody>
+          <a:bodyPr wrap="square">
+            <a:spAutoFit/>
+          </a:bodyPr>
+          <a:lstStyle/>
+          <a:p>
+            <a:r>
+              <a:rPr lang="en-US" sz="19900" dirty="0">
+                <a:solidFill>
+                  <a:srgbClr val="931915"/>
+                </a:solidFill>
+                <a:latin typeface="Impact" panose="020B0806030902050204" pitchFamily="34" charset="0"/>
+              </a:rPr>
+              <a:t>B</a:t>
+            </a:r>
+            <a:r>
+              <a:rPr lang="en-US" sz="19900" dirty="0">
+                <a:solidFill>
+                  <a:schemeClr val="tx1">
+                    <a:lumMod val="95000"/>
+                    <a:lumOff val="5000"/>
+                  </a:schemeClr>
+                </a:solidFill>
+                <a:latin typeface="Impact" panose="020B0806030902050204" pitchFamily="34" charset="0"/>
+              </a:rPr>
+              <a:t>ED</a:t>
+            </a:r>
+            <a:endParaRPr lang="en-US" sz="3200" dirty="0"/>
+          </a:p>
+        </p:txBody>
+      </p:sp>
+    </p:spTree>
+    <p:extLst>
+      <p:ext uri="{BB962C8B-B14F-4D97-AF65-F5344CB8AC3E}">
+        <p14:creationId xmlns:p14="http://schemas.microsoft.com/office/powerpoint/2010/main" val="1263142558"/>
+      </p:ext>
+    </p:extLst>
+  </p:cSld>
+  <p:clrMapOvr>
+    <a:masterClrMapping/>
+  </p:clrMapOvr>
+</p:sld>
+</file>
+
+<file path=ppt/slides/slide5.xml><?xml version="1.0" encoding="utf-8"?>
+<p:sld xmlns:a="http://schemas.openxmlformats.org/drawingml/2006/main" xmlns:r="http://schemas.openxmlformats.org/officeDocument/2006/relationships" xmlns:p="http://schemas.openxmlformats.org/presentationml/2006/main">
+  <p:cSld>
+    <p:bg>
+      <p:bgPr>
+        <a:solidFill>
+          <a:schemeClr val="bg1"/>
+        </a:solidFill>
+        <a:effectLst/>
+      </p:bgPr>
+    </p:bg>
+    <p:spTree>
+      <p:nvGrpSpPr>
+        <p:cNvPr id="1" name=""/>
+        <p:cNvGrpSpPr/>
+        <p:nvPr/>
+      </p:nvGrpSpPr>
+      <p:grpSpPr>
+        <a:xfrm>
+          <a:off x="0" y="0"/>
+          <a:ext cx="0" cy="0"/>
+          <a:chOff x="0" y="0"/>
+          <a:chExt cx="0" cy="0"/>
+        </a:xfrm>
+      </p:grpSpPr>
+      <p:pic>
+        <p:nvPicPr>
+          <p:cNvPr id="3" name="Picture 2" descr="Text, whiteboard&#10;&#10;Description automatically generated">
+            <a:extLst>
+              <a:ext uri="{FF2B5EF4-FFF2-40B4-BE49-F238E27FC236}">
+                <a16:creationId xmlns:a16="http://schemas.microsoft.com/office/drawing/2014/main" id="{3ADAB649-01E0-5C24-05E5-F35929069DE2}"/>
+              </a:ext>
+            </a:extLst>
+          </p:cNvPr>
+          <p:cNvPicPr>
+            <a:picLocks noChangeAspect="1"/>
+          </p:cNvPicPr>
+          <p:nvPr/>
+        </p:nvPicPr>
+        <p:blipFill>
+          <a:blip r:embed="rId2"/>
+          <a:stretch>
+            <a:fillRect/>
+          </a:stretch>
+        </p:blipFill>
+        <p:spPr>
+          <a:xfrm>
+            <a:off x="4112622" y="2235926"/>
+            <a:ext cx="4913811" cy="4913811"/>
+          </a:xfrm>
+          <a:prstGeom prst="rect">
+            <a:avLst/>
+          </a:prstGeom>
+        </p:spPr>
+      </p:pic>
+      <p:sp>
+        <p:nvSpPr>
+          <p:cNvPr id="79" name="TextBox 78">
+            <a:extLst>
+              <a:ext uri="{FF2B5EF4-FFF2-40B4-BE49-F238E27FC236}">
+                <a16:creationId xmlns:a16="http://schemas.microsoft.com/office/drawing/2014/main" id="{194B7995-B9C1-CAF2-E3A1-C2DBFEDEEF46}"/>
+              </a:ext>
+            </a:extLst>
+          </p:cNvPr>
+          <p:cNvSpPr txBox="1"/>
+          <p:nvPr/>
+        </p:nvSpPr>
+        <p:spPr>
+          <a:xfrm>
+            <a:off x="3607682" y="1163663"/>
+            <a:ext cx="5596404" cy="2862322"/>
+          </a:xfrm>
+          <a:prstGeom prst="rect">
+            <a:avLst/>
+          </a:prstGeom>
+          <a:noFill/>
+        </p:spPr>
+        <p:txBody>
+          <a:bodyPr wrap="none" rtlCol="0">
+            <a:spAutoFit/>
+          </a:bodyPr>
+          <a:lstStyle/>
+          <a:p>
+            <a:pPr algn="ctr"/>
+            <a:r>
+              <a:rPr lang="en-US" sz="18000" dirty="0">
+                <a:solidFill>
+                  <a:srgbClr val="931915"/>
+                </a:solidFill>
+                <a:latin typeface="Impact" panose="020B0806030902050204" pitchFamily="34" charset="0"/>
+              </a:rPr>
+              <a:t>P</a:t>
+            </a:r>
+            <a:r>
+              <a:rPr lang="en-US" sz="18000" dirty="0">
+                <a:solidFill>
+                  <a:schemeClr val="tx1">
+                    <a:lumMod val="95000"/>
+                    <a:lumOff val="5000"/>
+                  </a:schemeClr>
+                </a:solidFill>
+                <a:latin typeface="Impact" panose="020B0806030902050204" pitchFamily="34" charset="0"/>
+              </a:rPr>
+              <a:t>IN</a:t>
+            </a:r>
+            <a:r>
+              <a:rPr lang="en-US" sz="18000" dirty="0">
+                <a:solidFill>
+                  <a:srgbClr val="931915"/>
+                </a:solidFill>
+                <a:latin typeface="Impact" panose="020B0806030902050204" pitchFamily="34" charset="0"/>
+              </a:rPr>
+              <a:t>Ns</a:t>
+            </a:r>
+          </a:p>
+        </p:txBody>
+      </p:sp>
+    </p:spTree>
+    <p:extLst>
+      <p:ext uri="{BB962C8B-B14F-4D97-AF65-F5344CB8AC3E}">
+        <p14:creationId xmlns:p14="http://schemas.microsoft.com/office/powerpoint/2010/main" val="2251364721"/>
+      </p:ext>
+    </p:extLst>
+  </p:cSld>
+  <p:clrMapOvr>
+    <a:masterClrMapping/>
+  </p:clrMapOvr>
+</p:sld>
+</file>
+
 <file path=ppt/theme/theme1.xml><?xml version="1.0" encoding="utf-8"?>
 <a:theme xmlns:a="http://schemas.openxmlformats.org/drawingml/2006/main" name="Office Theme 2013 - 2022">
   <a:themeElements>

--- a/assets/general/img/Courses_logos.pptx
+++ b/assets/general/img/Courses_logos.pptx
@@ -10,6 +10,7 @@
     <p:sldId id="258" r:id="rId4"/>
     <p:sldId id="259" r:id="rId5"/>
     <p:sldId id="260" r:id="rId6"/>
+    <p:sldId id="261" r:id="rId7"/>
   </p:sldIdLst>
   <p:sldSz cx="12192000" cy="6858000"/>
   <p:notesSz cx="6858000" cy="9144000"/>
@@ -4013,6 +4014,106 @@
 </p:sld>
 </file>
 
+<file path=ppt/slides/slide6.xml><?xml version="1.0" encoding="utf-8"?>
+<p:sld xmlns:a="http://schemas.openxmlformats.org/drawingml/2006/main" xmlns:r="http://schemas.openxmlformats.org/officeDocument/2006/relationships" xmlns:p="http://schemas.openxmlformats.org/presentationml/2006/main">
+  <p:cSld>
+    <p:bg>
+      <p:bgPr>
+        <a:solidFill>
+          <a:schemeClr val="bg1"/>
+        </a:solidFill>
+        <a:effectLst/>
+      </p:bgPr>
+    </p:bg>
+    <p:spTree>
+      <p:nvGrpSpPr>
+        <p:cNvPr id="1" name=""/>
+        <p:cNvGrpSpPr/>
+        <p:nvPr/>
+      </p:nvGrpSpPr>
+      <p:grpSpPr>
+        <a:xfrm>
+          <a:off x="0" y="0"/>
+          <a:ext cx="0" cy="0"/>
+          <a:chOff x="0" y="0"/>
+          <a:chExt cx="0" cy="0"/>
+        </a:xfrm>
+      </p:grpSpPr>
+      <p:sp>
+        <p:nvSpPr>
+          <p:cNvPr id="79" name="TextBox 78">
+            <a:extLst>
+              <a:ext uri="{FF2B5EF4-FFF2-40B4-BE49-F238E27FC236}">
+                <a16:creationId xmlns:a16="http://schemas.microsoft.com/office/drawing/2014/main" id="{194B7995-B9C1-CAF2-E3A1-C2DBFEDEEF46}"/>
+              </a:ext>
+            </a:extLst>
+          </p:cNvPr>
+          <p:cNvSpPr txBox="1"/>
+          <p:nvPr/>
+        </p:nvSpPr>
+        <p:spPr>
+          <a:xfrm>
+            <a:off x="2002276" y="1163663"/>
+            <a:ext cx="8807219" cy="2862322"/>
+          </a:xfrm>
+          <a:prstGeom prst="rect">
+            <a:avLst/>
+          </a:prstGeom>
+          <a:noFill/>
+        </p:spPr>
+        <p:txBody>
+          <a:bodyPr wrap="none" rtlCol="0">
+            <a:spAutoFit/>
+          </a:bodyPr>
+          <a:lstStyle/>
+          <a:p>
+            <a:pPr algn="ctr"/>
+            <a:r>
+              <a:rPr lang="en-US" sz="18000" dirty="0" err="1">
+                <a:solidFill>
+                  <a:srgbClr val="931915"/>
+                </a:solidFill>
+                <a:latin typeface="Impact" panose="020B0806030902050204" pitchFamily="34" charset="0"/>
+              </a:rPr>
+              <a:t>H</a:t>
+            </a:r>
+            <a:r>
+              <a:rPr lang="en-US" sz="18000" dirty="0" err="1">
+                <a:latin typeface="Impact" panose="020B0806030902050204" pitchFamily="34" charset="0"/>
+              </a:rPr>
+              <a:t>arvard</a:t>
+            </a:r>
+            <a:r>
+              <a:rPr lang="en-US" sz="18000" dirty="0" err="1">
+                <a:solidFill>
+                  <a:srgbClr val="931915"/>
+                </a:solidFill>
+                <a:latin typeface="Impact" panose="020B0806030902050204" pitchFamily="34" charset="0"/>
+              </a:rPr>
+              <a:t>X</a:t>
+            </a:r>
+            <a:endParaRPr lang="en-US" sz="18000" dirty="0">
+              <a:solidFill>
+                <a:srgbClr val="931915"/>
+              </a:solidFill>
+              <a:latin typeface="Impact" panose="020B0806030902050204" pitchFamily="34" charset="0"/>
+            </a:endParaRPr>
+          </a:p>
+        </p:txBody>
+      </p:sp>
+    </p:spTree>
+    <p:extLst>
+      <p:ext uri="{BB962C8B-B14F-4D97-AF65-F5344CB8AC3E}">
+        <p14:creationId xmlns:p14="http://schemas.microsoft.com/office/powerpoint/2010/main" val="1529363008"/>
+      </p:ext>
+    </p:extLst>
+  </p:cSld>
+  <p:clrMapOvr>
+    <a:masterClrMapping/>
+  </p:clrMapOvr>
+</p:sld>
+</file>
+
 <file path=ppt/theme/theme1.xml><?xml version="1.0" encoding="utf-8"?>
 <a:theme xmlns:a="http://schemas.openxmlformats.org/drawingml/2006/main" name="Office Theme 2013 - 2022">
   <a:themeElements>
